--- a/Group 13 - ProjectTracker.pptx
+++ b/Group 13 - ProjectTracker.pptx
@@ -8,15 +8,16 @@
     <p:sldId id="256" r:id="rId2"/>
     <p:sldId id="257" r:id="rId3"/>
     <p:sldId id="258" r:id="rId4"/>
-    <p:sldId id="259" r:id="rId5"/>
-    <p:sldId id="260" r:id="rId6"/>
-    <p:sldId id="261" r:id="rId7"/>
-    <p:sldId id="262" r:id="rId8"/>
-    <p:sldId id="263" r:id="rId9"/>
-    <p:sldId id="264" r:id="rId10"/>
-    <p:sldId id="265" r:id="rId11"/>
-    <p:sldId id="266" r:id="rId12"/>
-    <p:sldId id="267" r:id="rId13"/>
+    <p:sldId id="268" r:id="rId5"/>
+    <p:sldId id="259" r:id="rId6"/>
+    <p:sldId id="260" r:id="rId7"/>
+    <p:sldId id="261" r:id="rId8"/>
+    <p:sldId id="262" r:id="rId9"/>
+    <p:sldId id="263" r:id="rId10"/>
+    <p:sldId id="264" r:id="rId11"/>
+    <p:sldId id="265" r:id="rId12"/>
+    <p:sldId id="266" r:id="rId13"/>
+    <p:sldId id="267" r:id="rId14"/>
   </p:sldIdLst>
   <p:sldSz cx="20104100" cy="11309350"/>
   <p:notesSz cx="20104100" cy="11309350"/>
@@ -273,7 +274,7 @@
           <a:p>
             <a:fld id="{1D8BD707-D9CF-40AE-B4C6-C98DA3205C09}" type="datetimeFigureOut">
               <a:rPr lang="en-US"/>
-              <a:t>11/27/23</a:t>
+              <a:t>11/28/23</a:t>
             </a:fld>
             <a:endParaRPr lang="en-US"/>
           </a:p>
@@ -438,7 +439,7 @@
           <a:p>
             <a:fld id="{1D8BD707-D9CF-40AE-B4C6-C98DA3205C09}" type="datetimeFigureOut">
               <a:rPr lang="en-US"/>
-              <a:t>11/27/23</a:t>
+              <a:t>11/28/23</a:t>
             </a:fld>
             <a:endParaRPr lang="en-US"/>
           </a:p>
@@ -646,7 +647,7 @@
           <a:p>
             <a:fld id="{1D8BD707-D9CF-40AE-B4C6-C98DA3205C09}" type="datetimeFigureOut">
               <a:rPr lang="en-US"/>
-              <a:t>11/27/23</a:t>
+              <a:t>11/28/23</a:t>
             </a:fld>
             <a:endParaRPr lang="en-US"/>
           </a:p>
@@ -788,7 +789,7 @@
           <a:p>
             <a:fld id="{1D8BD707-D9CF-40AE-B4C6-C98DA3205C09}" type="datetimeFigureOut">
               <a:rPr lang="en-US"/>
-              <a:t>11/27/23</a:t>
+              <a:t>11/28/23</a:t>
             </a:fld>
             <a:endParaRPr lang="en-US"/>
           </a:p>
@@ -907,7 +908,7 @@
           <a:p>
             <a:fld id="{1D8BD707-D9CF-40AE-B4C6-C98DA3205C09}" type="datetimeFigureOut">
               <a:rPr lang="en-US"/>
-              <a:t>11/27/23</a:t>
+              <a:t>11/28/23</a:t>
             </a:fld>
             <a:endParaRPr lang="en-US"/>
           </a:p>
@@ -1120,7 +1121,7 @@
           <a:p>
             <a:fld id="{1D8BD707-D9CF-40AE-B4C6-C98DA3205C09}" type="datetimeFigureOut">
               <a:rPr lang="en-US"/>
-              <a:t>11/27/23</a:t>
+              <a:t>11/28/23</a:t>
             </a:fld>
             <a:endParaRPr lang="en-US"/>
           </a:p>
@@ -1400,8 +1401,8 @@
         </p:blipFill>
         <p:spPr>
           <a:xfrm>
-            <a:off x="1172739" y="659668"/>
-            <a:ext cx="17674854" cy="8219683"/>
+            <a:off x="1214622" y="827203"/>
+            <a:ext cx="18219340" cy="8889822"/>
           </a:xfrm>
           <a:prstGeom prst="rect">
             <a:avLst/>
@@ -1448,7 +1449,7 @@
         <p:spPr>
           <a:xfrm>
             <a:off x="1172739" y="659668"/>
-            <a:ext cx="18596292" cy="8638520"/>
+            <a:ext cx="17674854" cy="8219683"/>
           </a:xfrm>
           <a:prstGeom prst="rect">
             <a:avLst/>
@@ -1494,6 +1495,53 @@
         </p:blipFill>
         <p:spPr>
           <a:xfrm>
+            <a:off x="1172739" y="659668"/>
+            <a:ext cx="18596292" cy="8638520"/>
+          </a:xfrm>
+          <a:prstGeom prst="rect">
+            <a:avLst/>
+          </a:prstGeom>
+        </p:spPr>
+      </p:pic>
+    </p:spTree>
+  </p:cSld>
+  <p:clrMapOvr>
+    <a:masterClrMapping/>
+  </p:clrMapOvr>
+</p:sld>
+</file>
+
+<file path=ppt/slides/slide13.xml><?xml version="1.0" encoding="utf-8"?>
+<p:sld xmlns:a="http://schemas.openxmlformats.org/drawingml/2006/main" xmlns:r="http://schemas.openxmlformats.org/officeDocument/2006/relationships" xmlns:p="http://schemas.openxmlformats.org/presentationml/2006/main" showMasterSp="0">
+  <p:cSld>
+    <p:spTree>
+      <p:nvGrpSpPr>
+        <p:cNvPr id="1" name=""/>
+        <p:cNvGrpSpPr/>
+        <p:nvPr/>
+      </p:nvGrpSpPr>
+      <p:grpSpPr>
+        <a:xfrm>
+          <a:off x="0" y="0"/>
+          <a:ext cx="0" cy="0"/>
+          <a:chOff x="0" y="0"/>
+          <a:chExt cx="0" cy="0"/>
+        </a:xfrm>
+      </p:grpSpPr>
+      <p:pic>
+        <p:nvPicPr>
+          <p:cNvPr id="2" name="object 2"/>
+          <p:cNvPicPr/>
+          <p:nvPr/>
+        </p:nvPicPr>
+        <p:blipFill>
+          <a:blip r:embed="rId2" cstate="print"/>
+          <a:stretch>
+            <a:fillRect/>
+          </a:stretch>
+        </p:blipFill>
+        <p:spPr>
+          <a:xfrm>
             <a:off x="0" y="0"/>
             <a:ext cx="20104099" cy="11308608"/>
           </a:xfrm>
@@ -1605,7 +1653,7 @@
 </file>
 
 <file path=ppt/slides/slide4.xml><?xml version="1.0" encoding="utf-8"?>
-<p:sld xmlns:a="http://schemas.openxmlformats.org/drawingml/2006/main" xmlns:r="http://schemas.openxmlformats.org/officeDocument/2006/relationships" xmlns:p="http://schemas.openxmlformats.org/presentationml/2006/main" showMasterSp="0">
+<p:sld xmlns:a="http://schemas.openxmlformats.org/drawingml/2006/main" xmlns:r="http://schemas.openxmlformats.org/officeDocument/2006/relationships" xmlns:p="http://schemas.openxmlformats.org/presentationml/2006/main">
   <p:cSld>
     <p:spTree>
       <p:nvGrpSpPr>
@@ -1621,29 +1669,1073 @@
           <a:chExt cx="0" cy="0"/>
         </a:xfrm>
       </p:grpSpPr>
-      <p:pic>
-        <p:nvPicPr>
-          <p:cNvPr id="2" name="object 2"/>
-          <p:cNvPicPr/>
+      <p:sp>
+        <p:nvSpPr>
+          <p:cNvPr id="2" name="Rectangle 1">
+            <a:extLst>
+              <a:ext uri="{FF2B5EF4-FFF2-40B4-BE49-F238E27FC236}">
+                <a16:creationId xmlns:a16="http://schemas.microsoft.com/office/drawing/2014/main" id="{FFCDF775-7730-77B9-489C-D217672ED1CC}"/>
+              </a:ext>
+            </a:extLst>
+          </p:cNvPr>
+          <p:cNvSpPr/>
           <p:nvPr/>
-        </p:nvPicPr>
-        <p:blipFill>
-          <a:blip r:embed="rId2" cstate="print"/>
-          <a:stretch>
-            <a:fillRect/>
-          </a:stretch>
-        </p:blipFill>
-        <p:spPr>
-          <a:xfrm>
-            <a:off x="1172739" y="827203"/>
-            <a:ext cx="17758621" cy="7224944"/>
+        </p:nvSpPr>
+        <p:spPr>
+          <a:xfrm>
+            <a:off x="7956550" y="1082675"/>
+            <a:ext cx="4191000" cy="1371600"/>
           </a:xfrm>
           <a:prstGeom prst="rect">
             <a:avLst/>
           </a:prstGeom>
-        </p:spPr>
-      </p:pic>
+          <a:gradFill flip="none" rotWithShape="1">
+            <a:gsLst>
+              <a:gs pos="0">
+                <a:srgbClr val="29A135">
+                  <a:tint val="66000"/>
+                  <a:satMod val="160000"/>
+                </a:srgbClr>
+              </a:gs>
+              <a:gs pos="50000">
+                <a:srgbClr val="29A135">
+                  <a:tint val="44500"/>
+                  <a:satMod val="160000"/>
+                </a:srgbClr>
+              </a:gs>
+              <a:gs pos="100000">
+                <a:srgbClr val="29A135">
+                  <a:tint val="23500"/>
+                  <a:satMod val="160000"/>
+                </a:srgbClr>
+              </a:gs>
+            </a:gsLst>
+            <a:lin ang="2700000" scaled="1"/>
+            <a:tileRect/>
+          </a:gradFill>
+          <a:ln>
+            <a:solidFill>
+              <a:schemeClr val="accent1"/>
+            </a:solidFill>
+          </a:ln>
+        </p:spPr>
+        <p:style>
+          <a:lnRef idx="2">
+            <a:schemeClr val="accent1">
+              <a:shade val="15000"/>
+            </a:schemeClr>
+          </a:lnRef>
+          <a:fillRef idx="1">
+            <a:schemeClr val="accent1"/>
+          </a:fillRef>
+          <a:effectRef idx="0">
+            <a:schemeClr val="accent1"/>
+          </a:effectRef>
+          <a:fontRef idx="minor">
+            <a:schemeClr val="lt1"/>
+          </a:fontRef>
+        </p:style>
+        <p:txBody>
+          <a:bodyPr rtlCol="0" anchor="ctr"/>
+          <a:lstStyle/>
+          <a:p>
+            <a:pPr algn="ctr"/>
+            <a:r>
+              <a:rPr lang="en-US" sz="2600" b="1" dirty="0" err="1">
+                <a:solidFill>
+                  <a:schemeClr val="tx1"/>
+                </a:solidFill>
+              </a:rPr>
+              <a:t>projecttracker</a:t>
+            </a:r>
+            <a:endParaRPr lang="en-US" sz="2600" b="1" dirty="0">
+              <a:solidFill>
+                <a:schemeClr val="tx1"/>
+              </a:solidFill>
+            </a:endParaRPr>
+          </a:p>
+        </p:txBody>
+      </p:sp>
+      <p:cxnSp>
+        <p:nvCxnSpPr>
+          <p:cNvPr id="6" name="Straight Connector 5">
+            <a:extLst>
+              <a:ext uri="{FF2B5EF4-FFF2-40B4-BE49-F238E27FC236}">
+                <a16:creationId xmlns:a16="http://schemas.microsoft.com/office/drawing/2014/main" id="{1AACD145-A776-3E2A-F8B3-1FC34CF99AD2}"/>
+              </a:ext>
+            </a:extLst>
+          </p:cNvPr>
+          <p:cNvCxnSpPr/>
+          <p:nvPr/>
+        </p:nvCxnSpPr>
+        <p:spPr>
+          <a:xfrm>
+            <a:off x="10052050" y="2530475"/>
+            <a:ext cx="0" cy="1371600"/>
+          </a:xfrm>
+          <a:prstGeom prst="line">
+            <a:avLst/>
+          </a:prstGeom>
+        </p:spPr>
+        <p:style>
+          <a:lnRef idx="1">
+            <a:schemeClr val="accent1"/>
+          </a:lnRef>
+          <a:fillRef idx="0">
+            <a:schemeClr val="accent1"/>
+          </a:fillRef>
+          <a:effectRef idx="0">
+            <a:schemeClr val="accent1"/>
+          </a:effectRef>
+          <a:fontRef idx="minor">
+            <a:schemeClr val="tx1"/>
+          </a:fontRef>
+        </p:style>
+      </p:cxnSp>
+      <p:cxnSp>
+        <p:nvCxnSpPr>
+          <p:cNvPr id="10" name="Straight Connector 9">
+            <a:extLst>
+              <a:ext uri="{FF2B5EF4-FFF2-40B4-BE49-F238E27FC236}">
+                <a16:creationId xmlns:a16="http://schemas.microsoft.com/office/drawing/2014/main" id="{8BE0873D-6F5F-7B40-3C98-A0C752AB1E46}"/>
+              </a:ext>
+            </a:extLst>
+          </p:cNvPr>
+          <p:cNvCxnSpPr>
+            <a:cxnSpLocks/>
+          </p:cNvCxnSpPr>
+          <p:nvPr/>
+        </p:nvCxnSpPr>
+        <p:spPr>
+          <a:xfrm>
+            <a:off x="5055581" y="3902075"/>
+            <a:ext cx="9652973" cy="0"/>
+          </a:xfrm>
+          <a:prstGeom prst="line">
+            <a:avLst/>
+          </a:prstGeom>
+        </p:spPr>
+        <p:style>
+          <a:lnRef idx="1">
+            <a:schemeClr val="accent1"/>
+          </a:lnRef>
+          <a:fillRef idx="0">
+            <a:schemeClr val="accent1"/>
+          </a:fillRef>
+          <a:effectRef idx="0">
+            <a:schemeClr val="accent1"/>
+          </a:effectRef>
+          <a:fontRef idx="minor">
+            <a:schemeClr val="tx1"/>
+          </a:fontRef>
+        </p:style>
+      </p:cxnSp>
+      <p:cxnSp>
+        <p:nvCxnSpPr>
+          <p:cNvPr id="13" name="Straight Arrow Connector 12">
+            <a:extLst>
+              <a:ext uri="{FF2B5EF4-FFF2-40B4-BE49-F238E27FC236}">
+                <a16:creationId xmlns:a16="http://schemas.microsoft.com/office/drawing/2014/main" id="{65555774-D7F0-413D-E53F-528310723556}"/>
+              </a:ext>
+            </a:extLst>
+          </p:cNvPr>
+          <p:cNvCxnSpPr>
+            <a:cxnSpLocks/>
+          </p:cNvCxnSpPr>
+          <p:nvPr/>
+        </p:nvCxnSpPr>
+        <p:spPr>
+          <a:xfrm>
+            <a:off x="5055581" y="3902075"/>
+            <a:ext cx="0" cy="1143000"/>
+          </a:xfrm>
+          <a:prstGeom prst="straightConnector1">
+            <a:avLst/>
+          </a:prstGeom>
+          <a:ln>
+            <a:tailEnd type="triangle"/>
+          </a:ln>
+        </p:spPr>
+        <p:style>
+          <a:lnRef idx="1">
+            <a:schemeClr val="accent1"/>
+          </a:lnRef>
+          <a:fillRef idx="0">
+            <a:schemeClr val="accent1"/>
+          </a:fillRef>
+          <a:effectRef idx="0">
+            <a:schemeClr val="accent1"/>
+          </a:effectRef>
+          <a:fontRef idx="minor">
+            <a:schemeClr val="tx1"/>
+          </a:fontRef>
+        </p:style>
+      </p:cxnSp>
+      <p:cxnSp>
+        <p:nvCxnSpPr>
+          <p:cNvPr id="14" name="Straight Arrow Connector 13">
+            <a:extLst>
+              <a:ext uri="{FF2B5EF4-FFF2-40B4-BE49-F238E27FC236}">
+                <a16:creationId xmlns:a16="http://schemas.microsoft.com/office/drawing/2014/main" id="{DEE3A9A5-3DEE-CFA6-9015-8274C6943771}"/>
+              </a:ext>
+            </a:extLst>
+          </p:cNvPr>
+          <p:cNvCxnSpPr>
+            <a:cxnSpLocks/>
+          </p:cNvCxnSpPr>
+          <p:nvPr/>
+        </p:nvCxnSpPr>
+        <p:spPr>
+          <a:xfrm>
+            <a:off x="14708554" y="3902075"/>
+            <a:ext cx="0" cy="1143000"/>
+          </a:xfrm>
+          <a:prstGeom prst="straightConnector1">
+            <a:avLst/>
+          </a:prstGeom>
+          <a:ln>
+            <a:tailEnd type="triangle"/>
+          </a:ln>
+        </p:spPr>
+        <p:style>
+          <a:lnRef idx="1">
+            <a:schemeClr val="accent1"/>
+          </a:lnRef>
+          <a:fillRef idx="0">
+            <a:schemeClr val="accent1"/>
+          </a:fillRef>
+          <a:effectRef idx="0">
+            <a:schemeClr val="accent1"/>
+          </a:effectRef>
+          <a:fontRef idx="minor">
+            <a:schemeClr val="tx1"/>
+          </a:fontRef>
+        </p:style>
+      </p:cxnSp>
+      <p:sp>
+        <p:nvSpPr>
+          <p:cNvPr id="15" name="Rectangle 14">
+            <a:extLst>
+              <a:ext uri="{FF2B5EF4-FFF2-40B4-BE49-F238E27FC236}">
+                <a16:creationId xmlns:a16="http://schemas.microsoft.com/office/drawing/2014/main" id="{F34A2EDC-9B79-19E5-F20D-4422C8BD736F}"/>
+              </a:ext>
+            </a:extLst>
+          </p:cNvPr>
+          <p:cNvSpPr/>
+          <p:nvPr/>
+        </p:nvSpPr>
+        <p:spPr>
+          <a:xfrm>
+            <a:off x="2960081" y="5125426"/>
+            <a:ext cx="4191000" cy="1371600"/>
+          </a:xfrm>
+          <a:prstGeom prst="rect">
+            <a:avLst/>
+          </a:prstGeom>
+          <a:gradFill flip="none" rotWithShape="1">
+            <a:gsLst>
+              <a:gs pos="0">
+                <a:srgbClr val="29A135">
+                  <a:tint val="66000"/>
+                  <a:satMod val="160000"/>
+                </a:srgbClr>
+              </a:gs>
+              <a:gs pos="50000">
+                <a:srgbClr val="29A135">
+                  <a:tint val="44500"/>
+                  <a:satMod val="160000"/>
+                </a:srgbClr>
+              </a:gs>
+              <a:gs pos="100000">
+                <a:srgbClr val="29A135">
+                  <a:tint val="23500"/>
+                  <a:satMod val="160000"/>
+                </a:srgbClr>
+              </a:gs>
+            </a:gsLst>
+            <a:lin ang="2700000" scaled="1"/>
+            <a:tileRect/>
+          </a:gradFill>
+          <a:ln>
+            <a:solidFill>
+              <a:schemeClr val="accent1"/>
+            </a:solidFill>
+          </a:ln>
+        </p:spPr>
+        <p:style>
+          <a:lnRef idx="2">
+            <a:schemeClr val="accent1">
+              <a:shade val="15000"/>
+            </a:schemeClr>
+          </a:lnRef>
+          <a:fillRef idx="1">
+            <a:schemeClr val="accent1"/>
+          </a:fillRef>
+          <a:effectRef idx="0">
+            <a:schemeClr val="accent1"/>
+          </a:effectRef>
+          <a:fontRef idx="minor">
+            <a:schemeClr val="lt1"/>
+          </a:fontRef>
+        </p:style>
+        <p:txBody>
+          <a:bodyPr rtlCol="0" anchor="ctr"/>
+          <a:lstStyle/>
+          <a:p>
+            <a:pPr algn="ctr"/>
+            <a:r>
+              <a:rPr lang="en-US" sz="2600" b="1" dirty="0">
+                <a:solidFill>
+                  <a:schemeClr val="tx1"/>
+                </a:solidFill>
+              </a:rPr>
+              <a:t>management</a:t>
+            </a:r>
+          </a:p>
+        </p:txBody>
+      </p:sp>
+      <p:sp>
+        <p:nvSpPr>
+          <p:cNvPr id="16" name="Rectangle 15">
+            <a:extLst>
+              <a:ext uri="{FF2B5EF4-FFF2-40B4-BE49-F238E27FC236}">
+                <a16:creationId xmlns:a16="http://schemas.microsoft.com/office/drawing/2014/main" id="{24EBABA9-012E-54AF-FB25-FCA6D30C30E0}"/>
+              </a:ext>
+            </a:extLst>
+          </p:cNvPr>
+          <p:cNvSpPr/>
+          <p:nvPr/>
+        </p:nvSpPr>
+        <p:spPr>
+          <a:xfrm>
+            <a:off x="12613054" y="5125426"/>
+            <a:ext cx="4191000" cy="1371600"/>
+          </a:xfrm>
+          <a:prstGeom prst="rect">
+            <a:avLst/>
+          </a:prstGeom>
+          <a:gradFill flip="none" rotWithShape="1">
+            <a:gsLst>
+              <a:gs pos="0">
+                <a:srgbClr val="29A135">
+                  <a:tint val="66000"/>
+                  <a:satMod val="160000"/>
+                </a:srgbClr>
+              </a:gs>
+              <a:gs pos="50000">
+                <a:srgbClr val="29A135">
+                  <a:tint val="44500"/>
+                  <a:satMod val="160000"/>
+                </a:srgbClr>
+              </a:gs>
+              <a:gs pos="100000">
+                <a:srgbClr val="29A135">
+                  <a:tint val="23500"/>
+                  <a:satMod val="160000"/>
+                </a:srgbClr>
+              </a:gs>
+            </a:gsLst>
+            <a:lin ang="2700000" scaled="1"/>
+            <a:tileRect/>
+          </a:gradFill>
+          <a:ln>
+            <a:solidFill>
+              <a:schemeClr val="accent1"/>
+            </a:solidFill>
+          </a:ln>
+        </p:spPr>
+        <p:style>
+          <a:lnRef idx="2">
+            <a:schemeClr val="accent1">
+              <a:shade val="15000"/>
+            </a:schemeClr>
+          </a:lnRef>
+          <a:fillRef idx="1">
+            <a:schemeClr val="accent1"/>
+          </a:fillRef>
+          <a:effectRef idx="0">
+            <a:schemeClr val="accent1"/>
+          </a:effectRef>
+          <a:fontRef idx="minor">
+            <a:schemeClr val="lt1"/>
+          </a:fontRef>
+        </p:style>
+        <p:txBody>
+          <a:bodyPr rtlCol="0" anchor="ctr"/>
+          <a:lstStyle/>
+          <a:p>
+            <a:pPr algn="ctr"/>
+            <a:r>
+              <a:rPr lang="en-US" sz="2600" b="1" dirty="0">
+                <a:solidFill>
+                  <a:schemeClr val="tx1"/>
+                </a:solidFill>
+              </a:rPr>
+              <a:t>utils</a:t>
+            </a:r>
+          </a:p>
+        </p:txBody>
+      </p:sp>
+      <p:cxnSp>
+        <p:nvCxnSpPr>
+          <p:cNvPr id="17" name="Straight Connector 16">
+            <a:extLst>
+              <a:ext uri="{FF2B5EF4-FFF2-40B4-BE49-F238E27FC236}">
+                <a16:creationId xmlns:a16="http://schemas.microsoft.com/office/drawing/2014/main" id="{9A77D8E3-FB7C-F749-EA9C-3BDE7AA64CFA}"/>
+              </a:ext>
+            </a:extLst>
+          </p:cNvPr>
+          <p:cNvCxnSpPr>
+            <a:cxnSpLocks/>
+          </p:cNvCxnSpPr>
+          <p:nvPr/>
+        </p:nvCxnSpPr>
+        <p:spPr>
+          <a:xfrm>
+            <a:off x="5055581" y="6497026"/>
+            <a:ext cx="0" cy="877516"/>
+          </a:xfrm>
+          <a:prstGeom prst="line">
+            <a:avLst/>
+          </a:prstGeom>
+        </p:spPr>
+        <p:style>
+          <a:lnRef idx="1">
+            <a:schemeClr val="accent1"/>
+          </a:lnRef>
+          <a:fillRef idx="0">
+            <a:schemeClr val="accent1"/>
+          </a:fillRef>
+          <a:effectRef idx="0">
+            <a:schemeClr val="accent1"/>
+          </a:effectRef>
+          <a:fontRef idx="minor">
+            <a:schemeClr val="tx1"/>
+          </a:fontRef>
+        </p:style>
+      </p:cxnSp>
+      <p:cxnSp>
+        <p:nvCxnSpPr>
+          <p:cNvPr id="19" name="Straight Connector 18">
+            <a:extLst>
+              <a:ext uri="{FF2B5EF4-FFF2-40B4-BE49-F238E27FC236}">
+                <a16:creationId xmlns:a16="http://schemas.microsoft.com/office/drawing/2014/main" id="{24279CB9-F80C-9289-3D2F-FB01D0A38EBD}"/>
+              </a:ext>
+            </a:extLst>
+          </p:cNvPr>
+          <p:cNvCxnSpPr>
+            <a:cxnSpLocks/>
+          </p:cNvCxnSpPr>
+          <p:nvPr/>
+        </p:nvCxnSpPr>
+        <p:spPr>
+          <a:xfrm flipV="1">
+            <a:off x="2426681" y="7425586"/>
+            <a:ext cx="5257800" cy="15875"/>
+          </a:xfrm>
+          <a:prstGeom prst="line">
+            <a:avLst/>
+          </a:prstGeom>
+        </p:spPr>
+        <p:style>
+          <a:lnRef idx="1">
+            <a:schemeClr val="accent1"/>
+          </a:lnRef>
+          <a:fillRef idx="0">
+            <a:schemeClr val="accent1"/>
+          </a:fillRef>
+          <a:effectRef idx="0">
+            <a:schemeClr val="accent1"/>
+          </a:effectRef>
+          <a:fontRef idx="minor">
+            <a:schemeClr val="tx1"/>
+          </a:fontRef>
+        </p:style>
+      </p:cxnSp>
+      <p:cxnSp>
+        <p:nvCxnSpPr>
+          <p:cNvPr id="23" name="Straight Arrow Connector 22">
+            <a:extLst>
+              <a:ext uri="{FF2B5EF4-FFF2-40B4-BE49-F238E27FC236}">
+                <a16:creationId xmlns:a16="http://schemas.microsoft.com/office/drawing/2014/main" id="{6EED44F5-EDE9-6860-9482-85D0DE9ED3F8}"/>
+              </a:ext>
+            </a:extLst>
+          </p:cNvPr>
+          <p:cNvCxnSpPr>
+            <a:cxnSpLocks/>
+          </p:cNvCxnSpPr>
+          <p:nvPr/>
+        </p:nvCxnSpPr>
+        <p:spPr>
+          <a:xfrm>
+            <a:off x="2426681" y="7441461"/>
+            <a:ext cx="0" cy="1108814"/>
+          </a:xfrm>
+          <a:prstGeom prst="straightConnector1">
+            <a:avLst/>
+          </a:prstGeom>
+          <a:ln>
+            <a:tailEnd type="triangle"/>
+          </a:ln>
+        </p:spPr>
+        <p:style>
+          <a:lnRef idx="1">
+            <a:schemeClr val="accent1"/>
+          </a:lnRef>
+          <a:fillRef idx="0">
+            <a:schemeClr val="accent1"/>
+          </a:fillRef>
+          <a:effectRef idx="0">
+            <a:schemeClr val="accent1"/>
+          </a:effectRef>
+          <a:fontRef idx="minor">
+            <a:schemeClr val="tx1"/>
+          </a:fontRef>
+        </p:style>
+      </p:cxnSp>
+      <p:cxnSp>
+        <p:nvCxnSpPr>
+          <p:cNvPr id="30" name="Straight Arrow Connector 29">
+            <a:extLst>
+              <a:ext uri="{FF2B5EF4-FFF2-40B4-BE49-F238E27FC236}">
+                <a16:creationId xmlns:a16="http://schemas.microsoft.com/office/drawing/2014/main" id="{D4BD1EE1-822E-0477-75CA-2AEE156ADF41}"/>
+              </a:ext>
+            </a:extLst>
+          </p:cNvPr>
+          <p:cNvCxnSpPr>
+            <a:cxnSpLocks/>
+          </p:cNvCxnSpPr>
+          <p:nvPr/>
+        </p:nvCxnSpPr>
+        <p:spPr>
+          <a:xfrm>
+            <a:off x="7654196" y="7374542"/>
+            <a:ext cx="0" cy="1108814"/>
+          </a:xfrm>
+          <a:prstGeom prst="straightConnector1">
+            <a:avLst/>
+          </a:prstGeom>
+          <a:ln>
+            <a:tailEnd type="triangle"/>
+          </a:ln>
+        </p:spPr>
+        <p:style>
+          <a:lnRef idx="1">
+            <a:schemeClr val="accent1"/>
+          </a:lnRef>
+          <a:fillRef idx="0">
+            <a:schemeClr val="accent1"/>
+          </a:fillRef>
+          <a:effectRef idx="0">
+            <a:schemeClr val="accent1"/>
+          </a:effectRef>
+          <a:fontRef idx="minor">
+            <a:schemeClr val="tx1"/>
+          </a:fontRef>
+        </p:style>
+      </p:cxnSp>
+      <p:sp>
+        <p:nvSpPr>
+          <p:cNvPr id="31" name="Rectangle 30">
+            <a:extLst>
+              <a:ext uri="{FF2B5EF4-FFF2-40B4-BE49-F238E27FC236}">
+                <a16:creationId xmlns:a16="http://schemas.microsoft.com/office/drawing/2014/main" id="{5BB74B9E-F189-0F0D-54E6-3ECCF63F6A61}"/>
+              </a:ext>
+            </a:extLst>
+          </p:cNvPr>
+          <p:cNvSpPr/>
+          <p:nvPr/>
+        </p:nvSpPr>
+        <p:spPr>
+          <a:xfrm>
+            <a:off x="331181" y="8578600"/>
+            <a:ext cx="4191000" cy="1371600"/>
+          </a:xfrm>
+          <a:prstGeom prst="rect">
+            <a:avLst/>
+          </a:prstGeom>
+          <a:gradFill flip="none" rotWithShape="1">
+            <a:gsLst>
+              <a:gs pos="0">
+                <a:srgbClr val="29A135">
+                  <a:tint val="66000"/>
+                  <a:satMod val="160000"/>
+                </a:srgbClr>
+              </a:gs>
+              <a:gs pos="50000">
+                <a:srgbClr val="29A135">
+                  <a:tint val="44500"/>
+                  <a:satMod val="160000"/>
+                </a:srgbClr>
+              </a:gs>
+              <a:gs pos="100000">
+                <a:srgbClr val="29A135">
+                  <a:tint val="23500"/>
+                  <a:satMod val="160000"/>
+                </a:srgbClr>
+              </a:gs>
+            </a:gsLst>
+            <a:lin ang="2700000" scaled="1"/>
+            <a:tileRect/>
+          </a:gradFill>
+          <a:ln>
+            <a:solidFill>
+              <a:schemeClr val="accent1"/>
+            </a:solidFill>
+          </a:ln>
+        </p:spPr>
+        <p:style>
+          <a:lnRef idx="2">
+            <a:schemeClr val="accent1">
+              <a:shade val="15000"/>
+            </a:schemeClr>
+          </a:lnRef>
+          <a:fillRef idx="1">
+            <a:schemeClr val="accent1"/>
+          </a:fillRef>
+          <a:effectRef idx="0">
+            <a:schemeClr val="accent1"/>
+          </a:effectRef>
+          <a:fontRef idx="minor">
+            <a:schemeClr val="lt1"/>
+          </a:fontRef>
+        </p:style>
+        <p:txBody>
+          <a:bodyPr rtlCol="0" anchor="ctr"/>
+          <a:lstStyle/>
+          <a:p>
+            <a:pPr algn="ctr"/>
+            <a:r>
+              <a:rPr lang="en-US" sz="2600" b="1" dirty="0">
+                <a:solidFill>
+                  <a:schemeClr val="tx1"/>
+                </a:solidFill>
+              </a:rPr>
+              <a:t>operations</a:t>
+            </a:r>
+          </a:p>
+        </p:txBody>
+      </p:sp>
+      <p:sp>
+        <p:nvSpPr>
+          <p:cNvPr id="32" name="Rectangle 31">
+            <a:extLst>
+              <a:ext uri="{FF2B5EF4-FFF2-40B4-BE49-F238E27FC236}">
+                <a16:creationId xmlns:a16="http://schemas.microsoft.com/office/drawing/2014/main" id="{72DE75F8-F258-F0FB-C20C-9C3834894A70}"/>
+              </a:ext>
+            </a:extLst>
+          </p:cNvPr>
+          <p:cNvSpPr/>
+          <p:nvPr/>
+        </p:nvSpPr>
+        <p:spPr>
+          <a:xfrm>
+            <a:off x="5558696" y="8483356"/>
+            <a:ext cx="4191000" cy="1371600"/>
+          </a:xfrm>
+          <a:prstGeom prst="rect">
+            <a:avLst/>
+          </a:prstGeom>
+          <a:gradFill flip="none" rotWithShape="1">
+            <a:gsLst>
+              <a:gs pos="0">
+                <a:srgbClr val="29A135">
+                  <a:tint val="66000"/>
+                  <a:satMod val="160000"/>
+                </a:srgbClr>
+              </a:gs>
+              <a:gs pos="50000">
+                <a:srgbClr val="29A135">
+                  <a:tint val="44500"/>
+                  <a:satMod val="160000"/>
+                </a:srgbClr>
+              </a:gs>
+              <a:gs pos="100000">
+                <a:srgbClr val="29A135">
+                  <a:tint val="23500"/>
+                  <a:satMod val="160000"/>
+                </a:srgbClr>
+              </a:gs>
+            </a:gsLst>
+            <a:lin ang="2700000" scaled="1"/>
+            <a:tileRect/>
+          </a:gradFill>
+          <a:ln>
+            <a:solidFill>
+              <a:schemeClr val="accent1"/>
+            </a:solidFill>
+          </a:ln>
+        </p:spPr>
+        <p:style>
+          <a:lnRef idx="2">
+            <a:schemeClr val="accent1">
+              <a:shade val="15000"/>
+            </a:schemeClr>
+          </a:lnRef>
+          <a:fillRef idx="1">
+            <a:schemeClr val="accent1"/>
+          </a:fillRef>
+          <a:effectRef idx="0">
+            <a:schemeClr val="accent1"/>
+          </a:effectRef>
+          <a:fontRef idx="minor">
+            <a:schemeClr val="lt1"/>
+          </a:fontRef>
+        </p:style>
+        <p:txBody>
+          <a:bodyPr rtlCol="0" anchor="ctr"/>
+          <a:lstStyle/>
+          <a:p>
+            <a:pPr algn="ctr"/>
+            <a:r>
+              <a:rPr lang="en-US" sz="2600" b="1" dirty="0">
+                <a:solidFill>
+                  <a:schemeClr val="tx1"/>
+                </a:solidFill>
+              </a:rPr>
+              <a:t>visualizations</a:t>
+            </a:r>
+          </a:p>
+        </p:txBody>
+      </p:sp>
+      <p:cxnSp>
+        <p:nvCxnSpPr>
+          <p:cNvPr id="33" name="Straight Connector 32">
+            <a:extLst>
+              <a:ext uri="{FF2B5EF4-FFF2-40B4-BE49-F238E27FC236}">
+                <a16:creationId xmlns:a16="http://schemas.microsoft.com/office/drawing/2014/main" id="{47443FBA-9D56-6D0F-CF3E-CA06265762C3}"/>
+              </a:ext>
+            </a:extLst>
+          </p:cNvPr>
+          <p:cNvCxnSpPr>
+            <a:cxnSpLocks/>
+          </p:cNvCxnSpPr>
+          <p:nvPr/>
+        </p:nvCxnSpPr>
+        <p:spPr>
+          <a:xfrm>
+            <a:off x="14751538" y="6497026"/>
+            <a:ext cx="0" cy="877516"/>
+          </a:xfrm>
+          <a:prstGeom prst="line">
+            <a:avLst/>
+          </a:prstGeom>
+        </p:spPr>
+        <p:style>
+          <a:lnRef idx="1">
+            <a:schemeClr val="accent1"/>
+          </a:lnRef>
+          <a:fillRef idx="0">
+            <a:schemeClr val="accent1"/>
+          </a:fillRef>
+          <a:effectRef idx="0">
+            <a:schemeClr val="accent1"/>
+          </a:effectRef>
+          <a:fontRef idx="minor">
+            <a:schemeClr val="tx1"/>
+          </a:fontRef>
+        </p:style>
+      </p:cxnSp>
+      <p:cxnSp>
+        <p:nvCxnSpPr>
+          <p:cNvPr id="37" name="Straight Connector 36">
+            <a:extLst>
+              <a:ext uri="{FF2B5EF4-FFF2-40B4-BE49-F238E27FC236}">
+                <a16:creationId xmlns:a16="http://schemas.microsoft.com/office/drawing/2014/main" id="{212E2C89-77E0-625D-1E51-DD6EC154C764}"/>
+              </a:ext>
+            </a:extLst>
+          </p:cNvPr>
+          <p:cNvCxnSpPr>
+            <a:cxnSpLocks/>
+          </p:cNvCxnSpPr>
+          <p:nvPr/>
+        </p:nvCxnSpPr>
+        <p:spPr>
+          <a:xfrm flipV="1">
+            <a:off x="12359546" y="7366604"/>
+            <a:ext cx="5257800" cy="15875"/>
+          </a:xfrm>
+          <a:prstGeom prst="line">
+            <a:avLst/>
+          </a:prstGeom>
+        </p:spPr>
+        <p:style>
+          <a:lnRef idx="1">
+            <a:schemeClr val="accent1"/>
+          </a:lnRef>
+          <a:fillRef idx="0">
+            <a:schemeClr val="accent1"/>
+          </a:fillRef>
+          <a:effectRef idx="0">
+            <a:schemeClr val="accent1"/>
+          </a:effectRef>
+          <a:fontRef idx="minor">
+            <a:schemeClr val="tx1"/>
+          </a:fontRef>
+        </p:style>
+      </p:cxnSp>
+      <p:cxnSp>
+        <p:nvCxnSpPr>
+          <p:cNvPr id="38" name="Straight Arrow Connector 37">
+            <a:extLst>
+              <a:ext uri="{FF2B5EF4-FFF2-40B4-BE49-F238E27FC236}">
+                <a16:creationId xmlns:a16="http://schemas.microsoft.com/office/drawing/2014/main" id="{D993A85E-56D2-779C-2830-E02C288A8B6F}"/>
+              </a:ext>
+            </a:extLst>
+          </p:cNvPr>
+          <p:cNvCxnSpPr>
+            <a:cxnSpLocks/>
+          </p:cNvCxnSpPr>
+          <p:nvPr/>
+        </p:nvCxnSpPr>
+        <p:spPr>
+          <a:xfrm>
+            <a:off x="12359546" y="7382479"/>
+            <a:ext cx="0" cy="1108814"/>
+          </a:xfrm>
+          <a:prstGeom prst="straightConnector1">
+            <a:avLst/>
+          </a:prstGeom>
+          <a:ln>
+            <a:tailEnd type="triangle"/>
+          </a:ln>
+        </p:spPr>
+        <p:style>
+          <a:lnRef idx="1">
+            <a:schemeClr val="accent1"/>
+          </a:lnRef>
+          <a:fillRef idx="0">
+            <a:schemeClr val="accent1"/>
+          </a:fillRef>
+          <a:effectRef idx="0">
+            <a:schemeClr val="accent1"/>
+          </a:effectRef>
+          <a:fontRef idx="minor">
+            <a:schemeClr val="tx1"/>
+          </a:fontRef>
+        </p:style>
+      </p:cxnSp>
+      <p:cxnSp>
+        <p:nvCxnSpPr>
+          <p:cNvPr id="39" name="Straight Arrow Connector 38">
+            <a:extLst>
+              <a:ext uri="{FF2B5EF4-FFF2-40B4-BE49-F238E27FC236}">
+                <a16:creationId xmlns:a16="http://schemas.microsoft.com/office/drawing/2014/main" id="{DBC57FAA-A721-0C96-9AB1-BF12049C4E15}"/>
+              </a:ext>
+            </a:extLst>
+          </p:cNvPr>
+          <p:cNvCxnSpPr>
+            <a:cxnSpLocks/>
+          </p:cNvCxnSpPr>
+          <p:nvPr/>
+        </p:nvCxnSpPr>
+        <p:spPr>
+          <a:xfrm>
+            <a:off x="17587061" y="7315560"/>
+            <a:ext cx="0" cy="1108814"/>
+          </a:xfrm>
+          <a:prstGeom prst="straightConnector1">
+            <a:avLst/>
+          </a:prstGeom>
+          <a:ln>
+            <a:tailEnd type="triangle"/>
+          </a:ln>
+        </p:spPr>
+        <p:style>
+          <a:lnRef idx="1">
+            <a:schemeClr val="accent1"/>
+          </a:lnRef>
+          <a:fillRef idx="0">
+            <a:schemeClr val="accent1"/>
+          </a:fillRef>
+          <a:effectRef idx="0">
+            <a:schemeClr val="accent1"/>
+          </a:effectRef>
+          <a:fontRef idx="minor">
+            <a:schemeClr val="tx1"/>
+          </a:fontRef>
+        </p:style>
+      </p:cxnSp>
+      <p:sp>
+        <p:nvSpPr>
+          <p:cNvPr id="40" name="Rectangle 39">
+            <a:extLst>
+              <a:ext uri="{FF2B5EF4-FFF2-40B4-BE49-F238E27FC236}">
+                <a16:creationId xmlns:a16="http://schemas.microsoft.com/office/drawing/2014/main" id="{EAA624BC-FF63-1585-B37D-544815EAB5AD}"/>
+              </a:ext>
+            </a:extLst>
+          </p:cNvPr>
+          <p:cNvSpPr/>
+          <p:nvPr/>
+        </p:nvSpPr>
+        <p:spPr>
+          <a:xfrm>
+            <a:off x="10264046" y="8519618"/>
+            <a:ext cx="4191000" cy="1371600"/>
+          </a:xfrm>
+          <a:prstGeom prst="rect">
+            <a:avLst/>
+          </a:prstGeom>
+          <a:gradFill flip="none" rotWithShape="1">
+            <a:gsLst>
+              <a:gs pos="0">
+                <a:srgbClr val="29A135">
+                  <a:tint val="66000"/>
+                  <a:satMod val="160000"/>
+                </a:srgbClr>
+              </a:gs>
+              <a:gs pos="50000">
+                <a:srgbClr val="29A135">
+                  <a:tint val="44500"/>
+                  <a:satMod val="160000"/>
+                </a:srgbClr>
+              </a:gs>
+              <a:gs pos="100000">
+                <a:srgbClr val="29A135">
+                  <a:tint val="23500"/>
+                  <a:satMod val="160000"/>
+                </a:srgbClr>
+              </a:gs>
+            </a:gsLst>
+            <a:lin ang="2700000" scaled="1"/>
+            <a:tileRect/>
+          </a:gradFill>
+          <a:ln>
+            <a:solidFill>
+              <a:schemeClr val="accent1"/>
+            </a:solidFill>
+          </a:ln>
+        </p:spPr>
+        <p:style>
+          <a:lnRef idx="2">
+            <a:schemeClr val="accent1">
+              <a:shade val="15000"/>
+            </a:schemeClr>
+          </a:lnRef>
+          <a:fillRef idx="1">
+            <a:schemeClr val="accent1"/>
+          </a:fillRef>
+          <a:effectRef idx="0">
+            <a:schemeClr val="accent1"/>
+          </a:effectRef>
+          <a:fontRef idx="minor">
+            <a:schemeClr val="lt1"/>
+          </a:fontRef>
+        </p:style>
+        <p:txBody>
+          <a:bodyPr rtlCol="0" anchor="ctr"/>
+          <a:lstStyle/>
+          <a:p>
+            <a:pPr algn="ctr"/>
+            <a:r>
+              <a:rPr lang="en-US" sz="2600" b="1" dirty="0" err="1">
+                <a:solidFill>
+                  <a:schemeClr val="tx1"/>
+                </a:solidFill>
+              </a:rPr>
+              <a:t>file_handler</a:t>
+            </a:r>
+            <a:endParaRPr lang="en-US" sz="2600" b="1" dirty="0">
+              <a:solidFill>
+                <a:schemeClr val="tx1"/>
+              </a:solidFill>
+            </a:endParaRPr>
+          </a:p>
+        </p:txBody>
+      </p:sp>
+      <p:sp>
+        <p:nvSpPr>
+          <p:cNvPr id="41" name="Rectangle 40">
+            <a:extLst>
+              <a:ext uri="{FF2B5EF4-FFF2-40B4-BE49-F238E27FC236}">
+                <a16:creationId xmlns:a16="http://schemas.microsoft.com/office/drawing/2014/main" id="{D699F9BD-29AB-DC93-156E-4D39F8C4EC09}"/>
+              </a:ext>
+            </a:extLst>
+          </p:cNvPr>
+          <p:cNvSpPr/>
+          <p:nvPr/>
+        </p:nvSpPr>
+        <p:spPr>
+          <a:xfrm>
+            <a:off x="15491561" y="8424374"/>
+            <a:ext cx="4191000" cy="1371600"/>
+          </a:xfrm>
+          <a:prstGeom prst="rect">
+            <a:avLst/>
+          </a:prstGeom>
+          <a:gradFill flip="none" rotWithShape="1">
+            <a:gsLst>
+              <a:gs pos="0">
+                <a:srgbClr val="29A135">
+                  <a:tint val="66000"/>
+                  <a:satMod val="160000"/>
+                </a:srgbClr>
+              </a:gs>
+              <a:gs pos="50000">
+                <a:srgbClr val="29A135">
+                  <a:tint val="44500"/>
+                  <a:satMod val="160000"/>
+                </a:srgbClr>
+              </a:gs>
+              <a:gs pos="100000">
+                <a:srgbClr val="29A135">
+                  <a:tint val="23500"/>
+                  <a:satMod val="160000"/>
+                </a:srgbClr>
+              </a:gs>
+            </a:gsLst>
+            <a:lin ang="2700000" scaled="1"/>
+            <a:tileRect/>
+          </a:gradFill>
+          <a:ln>
+            <a:solidFill>
+              <a:schemeClr val="accent1"/>
+            </a:solidFill>
+          </a:ln>
+        </p:spPr>
+        <p:style>
+          <a:lnRef idx="2">
+            <a:schemeClr val="accent1">
+              <a:shade val="15000"/>
+            </a:schemeClr>
+          </a:lnRef>
+          <a:fillRef idx="1">
+            <a:schemeClr val="accent1"/>
+          </a:fillRef>
+          <a:effectRef idx="0">
+            <a:schemeClr val="accent1"/>
+          </a:effectRef>
+          <a:fontRef idx="minor">
+            <a:schemeClr val="lt1"/>
+          </a:fontRef>
+        </p:style>
+        <p:txBody>
+          <a:bodyPr rtlCol="0" anchor="ctr"/>
+          <a:lstStyle/>
+          <a:p>
+            <a:pPr algn="ctr"/>
+            <a:r>
+              <a:rPr lang="en-US" sz="2600" b="1" dirty="0" err="1">
+                <a:solidFill>
+                  <a:schemeClr val="tx1"/>
+                </a:solidFill>
+              </a:rPr>
+              <a:t>input_handler</a:t>
+            </a:r>
+            <a:endParaRPr lang="en-US" sz="2600" b="1" dirty="0">
+              <a:solidFill>
+                <a:schemeClr val="tx1"/>
+              </a:solidFill>
+            </a:endParaRPr>
+          </a:p>
+        </p:txBody>
+      </p:sp>
     </p:spTree>
+    <p:extLst>
+      <p:ext uri="{BB962C8B-B14F-4D97-AF65-F5344CB8AC3E}">
+        <p14:creationId xmlns:p14="http://schemas.microsoft.com/office/powerpoint/2010/main" val="3970019595"/>
+      </p:ext>
+    </p:extLst>
   </p:cSld>
   <p:clrMapOvr>
     <a:masterClrMapping/>
@@ -1682,8 +2774,8 @@
         </p:blipFill>
         <p:spPr>
           <a:xfrm>
-            <a:off x="1225093" y="827203"/>
-            <a:ext cx="17706267" cy="9727497"/>
+            <a:off x="1172739" y="827203"/>
+            <a:ext cx="17758621" cy="7224944"/>
           </a:xfrm>
           <a:prstGeom prst="rect">
             <a:avLst/>
@@ -1729,8 +2821,8 @@
         </p:blipFill>
         <p:spPr>
           <a:xfrm>
-            <a:off x="1172739" y="827203"/>
-            <a:ext cx="17758621" cy="8565223"/>
+            <a:off x="1225093" y="827203"/>
+            <a:ext cx="17706267" cy="9727497"/>
           </a:xfrm>
           <a:prstGeom prst="rect">
             <a:avLst/>
@@ -1777,7 +2869,7 @@
         <p:spPr>
           <a:xfrm>
             <a:off x="1172739" y="827203"/>
-            <a:ext cx="17695796" cy="8847939"/>
+            <a:ext cx="17758621" cy="8565223"/>
           </a:xfrm>
           <a:prstGeom prst="rect">
             <a:avLst/>
@@ -1824,7 +2916,7 @@
         <p:spPr>
           <a:xfrm>
             <a:off x="1172739" y="827203"/>
-            <a:ext cx="17758621" cy="8554752"/>
+            <a:ext cx="17695796" cy="8847939"/>
           </a:xfrm>
           <a:prstGeom prst="rect">
             <a:avLst/>
@@ -1870,8 +2962,8 @@
         </p:blipFill>
         <p:spPr>
           <a:xfrm>
-            <a:off x="1214622" y="827203"/>
-            <a:ext cx="18219340" cy="8889822"/>
+            <a:off x="1172739" y="827203"/>
+            <a:ext cx="17758621" cy="8554752"/>
           </a:xfrm>
           <a:prstGeom prst="rect">
             <a:avLst/>
